--- a/document/design_01.pptx
+++ b/document/design_01.pptx
@@ -5,7 +5,7 @@
     <p:sldMasterId id="2147483672" r:id="rId1"/>
   </p:sldMasterIdLst>
   <p:notesMasterIdLst>
-    <p:notesMasterId r:id="rId8"/>
+    <p:notesMasterId r:id="rId9"/>
   </p:notesMasterIdLst>
   <p:sldIdLst>
     <p:sldId id="256" r:id="rId2"/>
@@ -14,14 +14,15 @@
     <p:sldId id="308" r:id="rId5"/>
     <p:sldId id="310" r:id="rId6"/>
     <p:sldId id="309" r:id="rId7"/>
+    <p:sldId id="311" r:id="rId8"/>
   </p:sldIdLst>
   <p:sldSz cx="9144000" cy="5143500" type="screen16x9"/>
   <p:notesSz cx="6858000" cy="9144000"/>
   <p:embeddedFontLst>
     <p:embeddedFont>
       <p:font typeface="Fira Code" panose="020B0809050000020004" pitchFamily="49" charset="0"/>
-      <p:regular r:id="rId9"/>
-      <p:bold r:id="rId10"/>
+      <p:regular r:id="rId10"/>
+      <p:bold r:id="rId11"/>
     </p:embeddedFont>
   </p:embeddedFontLst>
   <p:defaultTextStyle>
@@ -1342,6 +1343,115 @@
     <p:extLst>
       <p:ext uri="{BB962C8B-B14F-4D97-AF65-F5344CB8AC3E}">
         <p14:creationId xmlns:p14="http://schemas.microsoft.com/office/powerpoint/2010/main" val="3967090026"/>
+      </p:ext>
+    </p:extLst>
+  </p:cSld>
+  <p:clrMapOvr>
+    <a:masterClrMapping/>
+  </p:clrMapOvr>
+</p:notes>
+</file>
+
+<file path=ppt/notesSlides/notesSlide7.xml><?xml version="1.0" encoding="utf-8"?>
+<p:notes xmlns:a="http://schemas.openxmlformats.org/drawingml/2006/main" xmlns:r="http://schemas.openxmlformats.org/officeDocument/2006/relationships" xmlns:p="http://schemas.openxmlformats.org/presentationml/2006/main" showMasterSp="0" showMasterPhAnim="0">
+  <p:cSld>
+    <p:spTree>
+      <p:nvGrpSpPr>
+        <p:cNvPr id="1" name="Shape 467"/>
+        <p:cNvGrpSpPr/>
+        <p:nvPr/>
+      </p:nvGrpSpPr>
+      <p:grpSpPr>
+        <a:xfrm>
+          <a:off x="0" y="0"/>
+          <a:ext cx="0" cy="0"/>
+          <a:chOff x="0" y="0"/>
+          <a:chExt cx="0" cy="0"/>
+        </a:xfrm>
+      </p:grpSpPr>
+      <p:sp>
+        <p:nvSpPr>
+          <p:cNvPr id="468" name="Google Shape;468;ge7f9c668d6_0_0:notes"/>
+          <p:cNvSpPr>
+            <a:spLocks noGrp="1" noRot="1" noChangeAspect="1"/>
+          </p:cNvSpPr>
+          <p:nvPr>
+            <p:ph type="sldImg" idx="2"/>
+          </p:nvPr>
+        </p:nvSpPr>
+        <p:spPr>
+          <a:xfrm>
+            <a:off x="381000" y="685800"/>
+            <a:ext cx="6096000" cy="3429000"/>
+          </a:xfrm>
+          <a:custGeom>
+            <a:avLst/>
+            <a:gdLst/>
+            <a:ahLst/>
+            <a:cxnLst/>
+            <a:rect l="l" t="t" r="r" b="b"/>
+            <a:pathLst>
+              <a:path w="120000" h="120000" extrusionOk="0">
+                <a:moveTo>
+                  <a:pt x="0" y="0"/>
+                </a:moveTo>
+                <a:lnTo>
+                  <a:pt x="120000" y="0"/>
+                </a:lnTo>
+                <a:lnTo>
+                  <a:pt x="120000" y="120000"/>
+                </a:lnTo>
+                <a:lnTo>
+                  <a:pt x="0" y="120000"/>
+                </a:lnTo>
+                <a:close/>
+              </a:path>
+            </a:pathLst>
+          </a:custGeom>
+        </p:spPr>
+      </p:sp>
+      <p:sp>
+        <p:nvSpPr>
+          <p:cNvPr id="469" name="Google Shape;469;ge7f9c668d6_0_0:notes"/>
+          <p:cNvSpPr txBox="1">
+            <a:spLocks noGrp="1"/>
+          </p:cNvSpPr>
+          <p:nvPr>
+            <p:ph type="body" idx="1"/>
+          </p:nvPr>
+        </p:nvSpPr>
+        <p:spPr>
+          <a:xfrm>
+            <a:off x="685800" y="4343400"/>
+            <a:ext cx="5486400" cy="4114800"/>
+          </a:xfrm>
+          <a:prstGeom prst="rect">
+            <a:avLst/>
+          </a:prstGeom>
+        </p:spPr>
+        <p:txBody>
+          <a:bodyPr spcFirstLastPara="1" wrap="square" lIns="91425" tIns="91425" rIns="91425" bIns="91425" anchor="t" anchorCtr="0">
+            <a:noAutofit/>
+          </a:bodyPr>
+          <a:lstStyle/>
+          <a:p>
+            <a:pPr marL="0" lvl="0" indent="0" algn="l" rtl="0">
+              <a:spcBef>
+                <a:spcPts val="0"/>
+              </a:spcBef>
+              <a:spcAft>
+                <a:spcPts val="0"/>
+              </a:spcAft>
+              <a:buNone/>
+            </a:pPr>
+            <a:endParaRPr/>
+          </a:p>
+        </p:txBody>
+      </p:sp>
+    </p:spTree>
+    <p:extLst>
+      <p:ext uri="{BB962C8B-B14F-4D97-AF65-F5344CB8AC3E}">
+        <p14:creationId xmlns:p14="http://schemas.microsoft.com/office/powerpoint/2010/main" val="426361663"/>
       </p:ext>
     </p:extLst>
   </p:cSld>
@@ -18932,6 +19042,1295 @@
 </p:sld>
 </file>
 
+<file path=ppt/slides/slide7.xml><?xml version="1.0" encoding="utf-8"?>
+<p:sld xmlns:a="http://schemas.openxmlformats.org/drawingml/2006/main" xmlns:r="http://schemas.openxmlformats.org/officeDocument/2006/relationships" xmlns:p="http://schemas.openxmlformats.org/presentationml/2006/main">
+  <p:cSld>
+    <p:spTree>
+      <p:nvGrpSpPr>
+        <p:cNvPr id="1" name="Shape 470"/>
+        <p:cNvGrpSpPr/>
+        <p:nvPr/>
+      </p:nvGrpSpPr>
+      <p:grpSpPr>
+        <a:xfrm>
+          <a:off x="0" y="0"/>
+          <a:ext cx="0" cy="0"/>
+          <a:chOff x="0" y="0"/>
+          <a:chExt cx="0" cy="0"/>
+        </a:xfrm>
+      </p:grpSpPr>
+      <p:sp>
+        <p:nvSpPr>
+          <p:cNvPr id="471" name="Google Shape;471;p28"/>
+          <p:cNvSpPr txBox="1">
+            <a:spLocks noGrp="1"/>
+          </p:cNvSpPr>
+          <p:nvPr>
+            <p:ph type="title"/>
+          </p:nvPr>
+        </p:nvSpPr>
+        <p:spPr>
+          <a:xfrm>
+            <a:off x="1143250" y="582700"/>
+            <a:ext cx="7290600" cy="541200"/>
+          </a:xfrm>
+          <a:prstGeom prst="rect">
+            <a:avLst/>
+          </a:prstGeom>
+        </p:spPr>
+        <p:txBody>
+          <a:bodyPr spcFirstLastPara="1" wrap="square" lIns="91425" tIns="91425" rIns="91425" bIns="91425" anchor="t" anchorCtr="0">
+            <a:noAutofit/>
+          </a:bodyPr>
+          <a:lstStyle/>
+          <a:p>
+            <a:pPr marL="0" lvl="0" indent="0" algn="l" rtl="0">
+              <a:spcBef>
+                <a:spcPts val="0"/>
+              </a:spcBef>
+              <a:spcAft>
+                <a:spcPts val="0"/>
+              </a:spcAft>
+              <a:buNone/>
+            </a:pPr>
+            <a:r>
+              <a:rPr lang="en-US" dirty="0">
+                <a:solidFill>
+                  <a:schemeClr val="bg1"/>
+                </a:solidFill>
+              </a:rPr>
+              <a:t>Etc. </a:t>
+            </a:r>
+            <a:r>
+              <a:rPr lang="en-US" dirty="0">
+                <a:solidFill>
+                  <a:schemeClr val="accent3"/>
+                </a:solidFill>
+              </a:rPr>
+              <a:t>{</a:t>
+            </a:r>
+            <a:endParaRPr dirty="0">
+              <a:solidFill>
+                <a:schemeClr val="accent3"/>
+              </a:solidFill>
+            </a:endParaRPr>
+          </a:p>
+        </p:txBody>
+      </p:sp>
+      <p:sp>
+        <p:nvSpPr>
+          <p:cNvPr id="472" name="Google Shape;472;p28"/>
+          <p:cNvSpPr txBox="1">
+            <a:spLocks noGrp="1"/>
+          </p:cNvSpPr>
+          <p:nvPr>
+            <p:ph type="body" idx="1"/>
+          </p:nvPr>
+        </p:nvSpPr>
+        <p:spPr>
+          <a:xfrm>
+            <a:off x="1464250" y="1290216"/>
+            <a:ext cx="7444426" cy="2339289"/>
+          </a:xfrm>
+          <a:prstGeom prst="rect">
+            <a:avLst/>
+          </a:prstGeom>
+        </p:spPr>
+        <p:txBody>
+          <a:bodyPr spcFirstLastPara="1" wrap="square" lIns="91425" tIns="91425" rIns="91425" bIns="91425" anchor="ctr" anchorCtr="0">
+            <a:noAutofit/>
+          </a:bodyPr>
+          <a:lstStyle/>
+          <a:p>
+            <a:pPr marL="171450" indent="-171450">
+              <a:buFont typeface="Wingdings" panose="05000000000000000000" pitchFamily="2" charset="2"/>
+              <a:buChar char="u"/>
+            </a:pPr>
+            <a:r>
+              <a:rPr lang="en-US" altLang="ko-KR" sz="1400" dirty="0">
+                <a:solidFill>
+                  <a:schemeClr val="accent3"/>
+                </a:solidFill>
+              </a:rPr>
+              <a:t> </a:t>
+            </a:r>
+            <a:r>
+              <a:rPr lang="en-US" altLang="ko-KR" sz="1400" dirty="0" err="1">
+                <a:solidFill>
+                  <a:schemeClr val="accent3"/>
+                </a:solidFill>
+              </a:rPr>
+              <a:t>VirusTotal</a:t>
+            </a:r>
+            <a:r>
+              <a:rPr lang="en-US" altLang="ko-KR" sz="1400" dirty="0">
+                <a:solidFill>
+                  <a:schemeClr val="accent3"/>
+                </a:solidFill>
+              </a:rPr>
+              <a:t>: </a:t>
+            </a:r>
+            <a:r>
+              <a:rPr lang="en-US" altLang="ko-KR" sz="1400" dirty="0">
+                <a:solidFill>
+                  <a:schemeClr val="bg2"/>
+                </a:solidFill>
+                <a:hlinkClick r:id="rId3">
+                  <a:extLst>
+                    <a:ext uri="{A12FA001-AC4F-418D-AE19-62706E023703}">
+                      <ahyp:hlinkClr xmlns:ahyp="http://schemas.microsoft.com/office/drawing/2018/hyperlinkcolor" val="tx"/>
+                    </a:ext>
+                  </a:extLst>
+                </a:hlinkClick>
+              </a:rPr>
+              <a:t>https://www.virustotal.com/</a:t>
+            </a:r>
+            <a:endParaRPr lang="en-US" altLang="ko-KR" sz="1400" dirty="0">
+              <a:solidFill>
+                <a:schemeClr val="bg2"/>
+              </a:solidFill>
+            </a:endParaRPr>
+          </a:p>
+          <a:p>
+            <a:pPr marL="0" indent="0">
+              <a:buNone/>
+            </a:pPr>
+            <a:endParaRPr lang="en-US" altLang="ko-KR" sz="1400" dirty="0">
+              <a:solidFill>
+                <a:schemeClr val="accent3"/>
+              </a:solidFill>
+            </a:endParaRPr>
+          </a:p>
+          <a:p>
+            <a:pPr marL="171450" indent="-171450">
+              <a:buFont typeface="Wingdings" panose="05000000000000000000" pitchFamily="2" charset="2"/>
+              <a:buChar char="u"/>
+            </a:pPr>
+            <a:r>
+              <a:rPr lang="en-US" altLang="ko-KR" sz="1400" dirty="0">
+                <a:solidFill>
+                  <a:schemeClr val="accent3"/>
+                </a:solidFill>
+              </a:rPr>
+              <a:t> </a:t>
+            </a:r>
+            <a:r>
+              <a:rPr lang="en-US" altLang="ko-KR" sz="1400" dirty="0" err="1">
+                <a:solidFill>
+                  <a:schemeClr val="accent3"/>
+                </a:solidFill>
+              </a:rPr>
+              <a:t>VirusTotal</a:t>
+            </a:r>
+            <a:r>
+              <a:rPr lang="en-US" altLang="ko-KR" sz="1400" dirty="0">
+                <a:solidFill>
+                  <a:schemeClr val="accent3"/>
+                </a:solidFill>
+              </a:rPr>
+              <a:t> API Document: </a:t>
+            </a:r>
+            <a:r>
+              <a:rPr lang="en-US" altLang="ko-KR" sz="1400" dirty="0">
+                <a:solidFill>
+                  <a:schemeClr val="bg2"/>
+                </a:solidFill>
+                <a:hlinkClick r:id="rId4">
+                  <a:extLst>
+                    <a:ext uri="{A12FA001-AC4F-418D-AE19-62706E023703}">
+                      <ahyp:hlinkClr xmlns:ahyp="http://schemas.microsoft.com/office/drawing/2018/hyperlinkcolor" val="tx"/>
+                    </a:ext>
+                  </a:extLst>
+                </a:hlinkClick>
+              </a:rPr>
+              <a:t>https://developers.virustotal.com/</a:t>
+            </a:r>
+            <a:endParaRPr lang="en-US" altLang="ko-KR" sz="1400" dirty="0">
+              <a:solidFill>
+                <a:schemeClr val="bg2"/>
+              </a:solidFill>
+            </a:endParaRPr>
+          </a:p>
+          <a:p>
+            <a:pPr marL="0" indent="0">
+              <a:buNone/>
+            </a:pPr>
+            <a:endParaRPr lang="en-US" altLang="ko-KR" sz="1400" dirty="0">
+              <a:solidFill>
+                <a:schemeClr val="accent3"/>
+              </a:solidFill>
+            </a:endParaRPr>
+          </a:p>
+          <a:p>
+            <a:pPr marL="171450" indent="-171450">
+              <a:buFont typeface="Wingdings" panose="05000000000000000000" pitchFamily="2" charset="2"/>
+              <a:buChar char="u"/>
+            </a:pPr>
+            <a:r>
+              <a:rPr lang="en-US" altLang="ko-KR" sz="1400" dirty="0">
+                <a:solidFill>
+                  <a:schemeClr val="accent3"/>
+                </a:solidFill>
+              </a:rPr>
+              <a:t> </a:t>
+            </a:r>
+            <a:r>
+              <a:rPr lang="en-US" altLang="ko-KR" sz="1400" dirty="0" err="1">
+                <a:solidFill>
+                  <a:schemeClr val="accent3"/>
+                </a:solidFill>
+              </a:rPr>
+              <a:t>Github</a:t>
+            </a:r>
+            <a:r>
+              <a:rPr lang="en-US" altLang="ko-KR" sz="1400" dirty="0">
+                <a:solidFill>
+                  <a:schemeClr val="accent3"/>
+                </a:solidFill>
+              </a:rPr>
+              <a:t>: </a:t>
+            </a:r>
+            <a:r>
+              <a:rPr lang="en-US" altLang="ko-KR" sz="1400" dirty="0">
+                <a:solidFill>
+                  <a:schemeClr val="bg2"/>
+                </a:solidFill>
+                <a:hlinkClick r:id="rId5">
+                  <a:extLst>
+                    <a:ext uri="{A12FA001-AC4F-418D-AE19-62706E023703}">
+                      <ahyp:hlinkClr xmlns:ahyp="http://schemas.microsoft.com/office/drawing/2018/hyperlinkcolor" val="tx"/>
+                    </a:ext>
+                  </a:extLst>
+                </a:hlinkClick>
+              </a:rPr>
+              <a:t>https://github.com/jhchoi123/HUFS.DesignPattern.TermProj</a:t>
+            </a:r>
+            <a:endParaRPr lang="en-US" altLang="ko-KR" sz="1400" dirty="0">
+              <a:solidFill>
+                <a:schemeClr val="bg2"/>
+              </a:solidFill>
+            </a:endParaRPr>
+          </a:p>
+          <a:p>
+            <a:pPr marL="171450" indent="-171450">
+              <a:buFont typeface="Wingdings" panose="05000000000000000000" pitchFamily="2" charset="2"/>
+              <a:buChar char="u"/>
+            </a:pPr>
+            <a:endParaRPr lang="en-US" altLang="ko-KR" sz="1400" dirty="0">
+              <a:solidFill>
+                <a:schemeClr val="accent3"/>
+              </a:solidFill>
+            </a:endParaRPr>
+          </a:p>
+        </p:txBody>
+      </p:sp>
+      <p:sp>
+        <p:nvSpPr>
+          <p:cNvPr id="473" name="Google Shape;473;p28"/>
+          <p:cNvSpPr txBox="1">
+            <a:spLocks noGrp="1"/>
+          </p:cNvSpPr>
+          <p:nvPr>
+            <p:ph type="subTitle" idx="4294967295"/>
+          </p:nvPr>
+        </p:nvSpPr>
+        <p:spPr>
+          <a:xfrm>
+            <a:off x="710125" y="4694725"/>
+            <a:ext cx="4865100" cy="357300"/>
+          </a:xfrm>
+          <a:prstGeom prst="rect">
+            <a:avLst/>
+          </a:prstGeom>
+        </p:spPr>
+        <p:txBody>
+          <a:bodyPr spcFirstLastPara="1" wrap="square" lIns="91425" tIns="91425" rIns="91425" bIns="91425" anchor="ctr" anchorCtr="0">
+            <a:noAutofit/>
+          </a:bodyPr>
+          <a:lstStyle/>
+          <a:p>
+            <a:pPr marL="0" lvl="0" indent="0" algn="l" rtl="0">
+              <a:spcBef>
+                <a:spcPts val="0"/>
+              </a:spcBef>
+              <a:spcAft>
+                <a:spcPts val="0"/>
+              </a:spcAft>
+              <a:buNone/>
+            </a:pPr>
+            <a:r>
+              <a:rPr lang="en-US" dirty="0">
+                <a:solidFill>
+                  <a:schemeClr val="accent3"/>
+                </a:solidFill>
+              </a:rPr>
+              <a:t>P.07</a:t>
+            </a:r>
+            <a:endParaRPr sz="1400" dirty="0">
+              <a:solidFill>
+                <a:schemeClr val="accent3"/>
+              </a:solidFill>
+            </a:endParaRPr>
+          </a:p>
+        </p:txBody>
+      </p:sp>
+      <p:sp>
+        <p:nvSpPr>
+          <p:cNvPr id="5" name="Google Shape;460;p27">
+            <a:extLst>
+              <a:ext uri="{FF2B5EF4-FFF2-40B4-BE49-F238E27FC236}">
+                <a16:creationId xmlns:a16="http://schemas.microsoft.com/office/drawing/2014/main" id="{087DC49F-0118-504A-40AE-47E9BFF0E430}"/>
+              </a:ext>
+            </a:extLst>
+          </p:cNvPr>
+          <p:cNvSpPr txBox="1">
+            <a:spLocks/>
+          </p:cNvSpPr>
+          <p:nvPr/>
+        </p:nvSpPr>
+        <p:spPr>
+          <a:xfrm>
+            <a:off x="4572000" y="0"/>
+            <a:ext cx="4572000" cy="530700"/>
+          </a:xfrm>
+          <a:prstGeom prst="rect">
+            <a:avLst/>
+          </a:prstGeom>
+          <a:noFill/>
+          <a:ln>
+            <a:noFill/>
+          </a:ln>
+        </p:spPr>
+        <p:txBody>
+          <a:bodyPr spcFirstLastPara="1" wrap="square" lIns="91425" tIns="91425" rIns="91425" bIns="91425" anchor="ctr" anchorCtr="0">
+            <a:noAutofit/>
+          </a:bodyPr>
+          <a:lstStyle>
+            <a:defPPr marR="0" lvl="0" algn="l" rtl="0">
+              <a:lnSpc>
+                <a:spcPct val="100000"/>
+              </a:lnSpc>
+              <a:spcBef>
+                <a:spcPts val="0"/>
+              </a:spcBef>
+              <a:spcAft>
+                <a:spcPts val="0"/>
+              </a:spcAft>
+            </a:defPPr>
+            <a:lvl1pPr marL="457200" marR="0" lvl="0" indent="-317500" algn="l" rtl="0">
+              <a:lnSpc>
+                <a:spcPct val="100000"/>
+              </a:lnSpc>
+              <a:spcBef>
+                <a:spcPts val="0"/>
+              </a:spcBef>
+              <a:spcAft>
+                <a:spcPts val="0"/>
+              </a:spcAft>
+              <a:buClr>
+                <a:schemeClr val="dk2"/>
+              </a:buClr>
+              <a:buSzPts val="2800"/>
+              <a:buFont typeface="Fira Code"/>
+              <a:buNone/>
+              <a:defRPr sz="1800" b="0" i="0" u="none" strike="noStrike" cap="none">
+                <a:solidFill>
+                  <a:schemeClr val="accent3"/>
+                </a:solidFill>
+                <a:latin typeface="Fira Code"/>
+                <a:ea typeface="Fira Code"/>
+                <a:cs typeface="Fira Code"/>
+                <a:sym typeface="Fira Code"/>
+              </a:defRPr>
+            </a:lvl1pPr>
+            <a:lvl2pPr marL="914400" marR="0" lvl="1" indent="-317500" algn="ctr" rtl="0">
+              <a:lnSpc>
+                <a:spcPct val="100000"/>
+              </a:lnSpc>
+              <a:spcBef>
+                <a:spcPts val="0"/>
+              </a:spcBef>
+              <a:spcAft>
+                <a:spcPts val="0"/>
+              </a:spcAft>
+              <a:buClr>
+                <a:schemeClr val="dk2"/>
+              </a:buClr>
+              <a:buSzPts val="2800"/>
+              <a:buFont typeface="Fira Code"/>
+              <a:buNone/>
+              <a:defRPr sz="2800" b="0" i="0" u="none" strike="noStrike" cap="none">
+                <a:solidFill>
+                  <a:schemeClr val="dk2"/>
+                </a:solidFill>
+                <a:latin typeface="Fira Code"/>
+                <a:ea typeface="Fira Code"/>
+                <a:cs typeface="Fira Code"/>
+                <a:sym typeface="Fira Code"/>
+              </a:defRPr>
+            </a:lvl2pPr>
+            <a:lvl3pPr marL="1371600" marR="0" lvl="2" indent="-317500" algn="ctr" rtl="0">
+              <a:lnSpc>
+                <a:spcPct val="100000"/>
+              </a:lnSpc>
+              <a:spcBef>
+                <a:spcPts val="0"/>
+              </a:spcBef>
+              <a:spcAft>
+                <a:spcPts val="0"/>
+              </a:spcAft>
+              <a:buClr>
+                <a:schemeClr val="dk2"/>
+              </a:buClr>
+              <a:buSzPts val="2800"/>
+              <a:buFont typeface="Fira Code"/>
+              <a:buNone/>
+              <a:defRPr sz="2800" b="0" i="0" u="none" strike="noStrike" cap="none">
+                <a:solidFill>
+                  <a:schemeClr val="dk2"/>
+                </a:solidFill>
+                <a:latin typeface="Fira Code"/>
+                <a:ea typeface="Fira Code"/>
+                <a:cs typeface="Fira Code"/>
+                <a:sym typeface="Fira Code"/>
+              </a:defRPr>
+            </a:lvl3pPr>
+            <a:lvl4pPr marL="1828800" marR="0" lvl="3" indent="-317500" algn="ctr" rtl="0">
+              <a:lnSpc>
+                <a:spcPct val="100000"/>
+              </a:lnSpc>
+              <a:spcBef>
+                <a:spcPts val="0"/>
+              </a:spcBef>
+              <a:spcAft>
+                <a:spcPts val="0"/>
+              </a:spcAft>
+              <a:buClr>
+                <a:schemeClr val="dk2"/>
+              </a:buClr>
+              <a:buSzPts val="2800"/>
+              <a:buFont typeface="Fira Code"/>
+              <a:buNone/>
+              <a:defRPr sz="2800" b="0" i="0" u="none" strike="noStrike" cap="none">
+                <a:solidFill>
+                  <a:schemeClr val="dk2"/>
+                </a:solidFill>
+                <a:latin typeface="Fira Code"/>
+                <a:ea typeface="Fira Code"/>
+                <a:cs typeface="Fira Code"/>
+                <a:sym typeface="Fira Code"/>
+              </a:defRPr>
+            </a:lvl4pPr>
+            <a:lvl5pPr marL="2286000" marR="0" lvl="4" indent="-317500" algn="ctr" rtl="0">
+              <a:lnSpc>
+                <a:spcPct val="100000"/>
+              </a:lnSpc>
+              <a:spcBef>
+                <a:spcPts val="0"/>
+              </a:spcBef>
+              <a:spcAft>
+                <a:spcPts val="0"/>
+              </a:spcAft>
+              <a:buClr>
+                <a:schemeClr val="dk2"/>
+              </a:buClr>
+              <a:buSzPts val="2800"/>
+              <a:buFont typeface="Fira Code"/>
+              <a:buNone/>
+              <a:defRPr sz="2800" b="0" i="0" u="none" strike="noStrike" cap="none">
+                <a:solidFill>
+                  <a:schemeClr val="dk2"/>
+                </a:solidFill>
+                <a:latin typeface="Fira Code"/>
+                <a:ea typeface="Fira Code"/>
+                <a:cs typeface="Fira Code"/>
+                <a:sym typeface="Fira Code"/>
+              </a:defRPr>
+            </a:lvl5pPr>
+            <a:lvl6pPr marL="2743200" marR="0" lvl="5" indent="-317500" algn="ctr" rtl="0">
+              <a:lnSpc>
+                <a:spcPct val="100000"/>
+              </a:lnSpc>
+              <a:spcBef>
+                <a:spcPts val="0"/>
+              </a:spcBef>
+              <a:spcAft>
+                <a:spcPts val="0"/>
+              </a:spcAft>
+              <a:buClr>
+                <a:schemeClr val="dk2"/>
+              </a:buClr>
+              <a:buSzPts val="2800"/>
+              <a:buFont typeface="Fira Code"/>
+              <a:buNone/>
+              <a:defRPr sz="2800" b="0" i="0" u="none" strike="noStrike" cap="none">
+                <a:solidFill>
+                  <a:schemeClr val="dk2"/>
+                </a:solidFill>
+                <a:latin typeface="Fira Code"/>
+                <a:ea typeface="Fira Code"/>
+                <a:cs typeface="Fira Code"/>
+                <a:sym typeface="Fira Code"/>
+              </a:defRPr>
+            </a:lvl6pPr>
+            <a:lvl7pPr marL="3200400" marR="0" lvl="6" indent="-317500" algn="ctr" rtl="0">
+              <a:lnSpc>
+                <a:spcPct val="100000"/>
+              </a:lnSpc>
+              <a:spcBef>
+                <a:spcPts val="0"/>
+              </a:spcBef>
+              <a:spcAft>
+                <a:spcPts val="0"/>
+              </a:spcAft>
+              <a:buClr>
+                <a:schemeClr val="dk2"/>
+              </a:buClr>
+              <a:buSzPts val="2800"/>
+              <a:buFont typeface="Fira Code"/>
+              <a:buNone/>
+              <a:defRPr sz="2800" b="0" i="0" u="none" strike="noStrike" cap="none">
+                <a:solidFill>
+                  <a:schemeClr val="dk2"/>
+                </a:solidFill>
+                <a:latin typeface="Fira Code"/>
+                <a:ea typeface="Fira Code"/>
+                <a:cs typeface="Fira Code"/>
+                <a:sym typeface="Fira Code"/>
+              </a:defRPr>
+            </a:lvl7pPr>
+            <a:lvl8pPr marL="3657600" marR="0" lvl="7" indent="-317500" algn="ctr" rtl="0">
+              <a:lnSpc>
+                <a:spcPct val="100000"/>
+              </a:lnSpc>
+              <a:spcBef>
+                <a:spcPts val="0"/>
+              </a:spcBef>
+              <a:spcAft>
+                <a:spcPts val="0"/>
+              </a:spcAft>
+              <a:buClr>
+                <a:schemeClr val="dk2"/>
+              </a:buClr>
+              <a:buSzPts val="2800"/>
+              <a:buFont typeface="Fira Code"/>
+              <a:buNone/>
+              <a:defRPr sz="2800" b="0" i="0" u="none" strike="noStrike" cap="none">
+                <a:solidFill>
+                  <a:schemeClr val="dk2"/>
+                </a:solidFill>
+                <a:latin typeface="Fira Code"/>
+                <a:ea typeface="Fira Code"/>
+                <a:cs typeface="Fira Code"/>
+                <a:sym typeface="Fira Code"/>
+              </a:defRPr>
+            </a:lvl8pPr>
+            <a:lvl9pPr marL="4114800" marR="0" lvl="8" indent="-317500" algn="ctr" rtl="0">
+              <a:lnSpc>
+                <a:spcPct val="100000"/>
+              </a:lnSpc>
+              <a:spcBef>
+                <a:spcPts val="0"/>
+              </a:spcBef>
+              <a:spcAft>
+                <a:spcPts val="0"/>
+              </a:spcAft>
+              <a:buClr>
+                <a:schemeClr val="dk2"/>
+              </a:buClr>
+              <a:buSzPts val="2800"/>
+              <a:buFont typeface="Fira Code"/>
+              <a:buNone/>
+              <a:defRPr sz="2800" b="0" i="0" u="none" strike="noStrike" cap="none">
+                <a:solidFill>
+                  <a:schemeClr val="dk2"/>
+                </a:solidFill>
+                <a:latin typeface="Fira Code"/>
+                <a:ea typeface="Fira Code"/>
+                <a:cs typeface="Fira Code"/>
+                <a:sym typeface="Fira Code"/>
+              </a:defRPr>
+            </a:lvl9pPr>
+          </a:lstStyle>
+          <a:p>
+            <a:pPr marL="0" indent="0" algn="ctr"/>
+            <a:r>
+              <a:rPr lang="en-US" sz="1400" dirty="0"/>
+              <a:t>Design</a:t>
+            </a:r>
+            <a:r>
+              <a:rPr lang="ko-KR" altLang="en-US" sz="1400" dirty="0"/>
+              <a:t> </a:t>
+            </a:r>
+            <a:r>
+              <a:rPr lang="en-US" altLang="ko-KR" sz="1400" dirty="0"/>
+              <a:t>Pattern</a:t>
+            </a:r>
+            <a:r>
+              <a:rPr lang="ko-KR" altLang="en-US" sz="1400" dirty="0"/>
+              <a:t> </a:t>
+            </a:r>
+            <a:r>
+              <a:rPr lang="en-US" altLang="ko-KR" sz="1400" dirty="0"/>
+              <a:t>Term</a:t>
+            </a:r>
+            <a:r>
+              <a:rPr lang="ko-KR" altLang="en-US" sz="1400" dirty="0"/>
+              <a:t> </a:t>
+            </a:r>
+            <a:r>
+              <a:rPr lang="en-US" altLang="ko-KR" sz="1400" dirty="0"/>
+              <a:t>Project</a:t>
+            </a:r>
+            <a:endParaRPr lang="en-US" sz="1400" dirty="0"/>
+          </a:p>
+        </p:txBody>
+      </p:sp>
+      <p:sp>
+        <p:nvSpPr>
+          <p:cNvPr id="6" name="Google Shape;460;p27">
+            <a:extLst>
+              <a:ext uri="{FF2B5EF4-FFF2-40B4-BE49-F238E27FC236}">
+                <a16:creationId xmlns:a16="http://schemas.microsoft.com/office/drawing/2014/main" id="{70E70A5C-5746-F1FF-193F-D5DDAC9CA1ED}"/>
+              </a:ext>
+            </a:extLst>
+          </p:cNvPr>
+          <p:cNvSpPr txBox="1">
+            <a:spLocks/>
+          </p:cNvSpPr>
+          <p:nvPr/>
+        </p:nvSpPr>
+        <p:spPr>
+          <a:xfrm>
+            <a:off x="0" y="0"/>
+            <a:ext cx="4572000" cy="528570"/>
+          </a:xfrm>
+          <a:prstGeom prst="rect">
+            <a:avLst/>
+          </a:prstGeom>
+          <a:noFill/>
+          <a:ln>
+            <a:noFill/>
+          </a:ln>
+        </p:spPr>
+        <p:txBody>
+          <a:bodyPr spcFirstLastPara="1" wrap="square" lIns="91425" tIns="91425" rIns="91425" bIns="91425" anchor="ctr" anchorCtr="0">
+            <a:noAutofit/>
+          </a:bodyPr>
+          <a:lstStyle>
+            <a:defPPr marR="0" lvl="0" algn="l" rtl="0">
+              <a:lnSpc>
+                <a:spcPct val="100000"/>
+              </a:lnSpc>
+              <a:spcBef>
+                <a:spcPts val="0"/>
+              </a:spcBef>
+              <a:spcAft>
+                <a:spcPts val="0"/>
+              </a:spcAft>
+            </a:defPPr>
+            <a:lvl1pPr marL="457200" marR="0" lvl="0" indent="-317500" algn="l" rtl="0">
+              <a:lnSpc>
+                <a:spcPct val="100000"/>
+              </a:lnSpc>
+              <a:spcBef>
+                <a:spcPts val="0"/>
+              </a:spcBef>
+              <a:spcAft>
+                <a:spcPts val="0"/>
+              </a:spcAft>
+              <a:buClr>
+                <a:schemeClr val="dk2"/>
+              </a:buClr>
+              <a:buSzPts val="2800"/>
+              <a:buFont typeface="Fira Code"/>
+              <a:buNone/>
+              <a:defRPr sz="1800" b="0" i="0" u="none" strike="noStrike" cap="none">
+                <a:solidFill>
+                  <a:schemeClr val="accent3"/>
+                </a:solidFill>
+                <a:latin typeface="Fira Code"/>
+                <a:ea typeface="Fira Code"/>
+                <a:cs typeface="Fira Code"/>
+                <a:sym typeface="Fira Code"/>
+              </a:defRPr>
+            </a:lvl1pPr>
+            <a:lvl2pPr marL="914400" marR="0" lvl="1" indent="-317500" algn="ctr" rtl="0">
+              <a:lnSpc>
+                <a:spcPct val="100000"/>
+              </a:lnSpc>
+              <a:spcBef>
+                <a:spcPts val="0"/>
+              </a:spcBef>
+              <a:spcAft>
+                <a:spcPts val="0"/>
+              </a:spcAft>
+              <a:buClr>
+                <a:schemeClr val="dk2"/>
+              </a:buClr>
+              <a:buSzPts val="2800"/>
+              <a:buFont typeface="Fira Code"/>
+              <a:buNone/>
+              <a:defRPr sz="2800" b="0" i="0" u="none" strike="noStrike" cap="none">
+                <a:solidFill>
+                  <a:schemeClr val="dk2"/>
+                </a:solidFill>
+                <a:latin typeface="Fira Code"/>
+                <a:ea typeface="Fira Code"/>
+                <a:cs typeface="Fira Code"/>
+                <a:sym typeface="Fira Code"/>
+              </a:defRPr>
+            </a:lvl2pPr>
+            <a:lvl3pPr marL="1371600" marR="0" lvl="2" indent="-317500" algn="ctr" rtl="0">
+              <a:lnSpc>
+                <a:spcPct val="100000"/>
+              </a:lnSpc>
+              <a:spcBef>
+                <a:spcPts val="0"/>
+              </a:spcBef>
+              <a:spcAft>
+                <a:spcPts val="0"/>
+              </a:spcAft>
+              <a:buClr>
+                <a:schemeClr val="dk2"/>
+              </a:buClr>
+              <a:buSzPts val="2800"/>
+              <a:buFont typeface="Fira Code"/>
+              <a:buNone/>
+              <a:defRPr sz="2800" b="0" i="0" u="none" strike="noStrike" cap="none">
+                <a:solidFill>
+                  <a:schemeClr val="dk2"/>
+                </a:solidFill>
+                <a:latin typeface="Fira Code"/>
+                <a:ea typeface="Fira Code"/>
+                <a:cs typeface="Fira Code"/>
+                <a:sym typeface="Fira Code"/>
+              </a:defRPr>
+            </a:lvl3pPr>
+            <a:lvl4pPr marL="1828800" marR="0" lvl="3" indent="-317500" algn="ctr" rtl="0">
+              <a:lnSpc>
+                <a:spcPct val="100000"/>
+              </a:lnSpc>
+              <a:spcBef>
+                <a:spcPts val="0"/>
+              </a:spcBef>
+              <a:spcAft>
+                <a:spcPts val="0"/>
+              </a:spcAft>
+              <a:buClr>
+                <a:schemeClr val="dk2"/>
+              </a:buClr>
+              <a:buSzPts val="2800"/>
+              <a:buFont typeface="Fira Code"/>
+              <a:buNone/>
+              <a:defRPr sz="2800" b="0" i="0" u="none" strike="noStrike" cap="none">
+                <a:solidFill>
+                  <a:schemeClr val="dk2"/>
+                </a:solidFill>
+                <a:latin typeface="Fira Code"/>
+                <a:ea typeface="Fira Code"/>
+                <a:cs typeface="Fira Code"/>
+                <a:sym typeface="Fira Code"/>
+              </a:defRPr>
+            </a:lvl4pPr>
+            <a:lvl5pPr marL="2286000" marR="0" lvl="4" indent="-317500" algn="ctr" rtl="0">
+              <a:lnSpc>
+                <a:spcPct val="100000"/>
+              </a:lnSpc>
+              <a:spcBef>
+                <a:spcPts val="0"/>
+              </a:spcBef>
+              <a:spcAft>
+                <a:spcPts val="0"/>
+              </a:spcAft>
+              <a:buClr>
+                <a:schemeClr val="dk2"/>
+              </a:buClr>
+              <a:buSzPts val="2800"/>
+              <a:buFont typeface="Fira Code"/>
+              <a:buNone/>
+              <a:defRPr sz="2800" b="0" i="0" u="none" strike="noStrike" cap="none">
+                <a:solidFill>
+                  <a:schemeClr val="dk2"/>
+                </a:solidFill>
+                <a:latin typeface="Fira Code"/>
+                <a:ea typeface="Fira Code"/>
+                <a:cs typeface="Fira Code"/>
+                <a:sym typeface="Fira Code"/>
+              </a:defRPr>
+            </a:lvl5pPr>
+            <a:lvl6pPr marL="2743200" marR="0" lvl="5" indent="-317500" algn="ctr" rtl="0">
+              <a:lnSpc>
+                <a:spcPct val="100000"/>
+              </a:lnSpc>
+              <a:spcBef>
+                <a:spcPts val="0"/>
+              </a:spcBef>
+              <a:spcAft>
+                <a:spcPts val="0"/>
+              </a:spcAft>
+              <a:buClr>
+                <a:schemeClr val="dk2"/>
+              </a:buClr>
+              <a:buSzPts val="2800"/>
+              <a:buFont typeface="Fira Code"/>
+              <a:buNone/>
+              <a:defRPr sz="2800" b="0" i="0" u="none" strike="noStrike" cap="none">
+                <a:solidFill>
+                  <a:schemeClr val="dk2"/>
+                </a:solidFill>
+                <a:latin typeface="Fira Code"/>
+                <a:ea typeface="Fira Code"/>
+                <a:cs typeface="Fira Code"/>
+                <a:sym typeface="Fira Code"/>
+              </a:defRPr>
+            </a:lvl6pPr>
+            <a:lvl7pPr marL="3200400" marR="0" lvl="6" indent="-317500" algn="ctr" rtl="0">
+              <a:lnSpc>
+                <a:spcPct val="100000"/>
+              </a:lnSpc>
+              <a:spcBef>
+                <a:spcPts val="0"/>
+              </a:spcBef>
+              <a:spcAft>
+                <a:spcPts val="0"/>
+              </a:spcAft>
+              <a:buClr>
+                <a:schemeClr val="dk2"/>
+              </a:buClr>
+              <a:buSzPts val="2800"/>
+              <a:buFont typeface="Fira Code"/>
+              <a:buNone/>
+              <a:defRPr sz="2800" b="0" i="0" u="none" strike="noStrike" cap="none">
+                <a:solidFill>
+                  <a:schemeClr val="dk2"/>
+                </a:solidFill>
+                <a:latin typeface="Fira Code"/>
+                <a:ea typeface="Fira Code"/>
+                <a:cs typeface="Fira Code"/>
+                <a:sym typeface="Fira Code"/>
+              </a:defRPr>
+            </a:lvl7pPr>
+            <a:lvl8pPr marL="3657600" marR="0" lvl="7" indent="-317500" algn="ctr" rtl="0">
+              <a:lnSpc>
+                <a:spcPct val="100000"/>
+              </a:lnSpc>
+              <a:spcBef>
+                <a:spcPts val="0"/>
+              </a:spcBef>
+              <a:spcAft>
+                <a:spcPts val="0"/>
+              </a:spcAft>
+              <a:buClr>
+                <a:schemeClr val="dk2"/>
+              </a:buClr>
+              <a:buSzPts val="2800"/>
+              <a:buFont typeface="Fira Code"/>
+              <a:buNone/>
+              <a:defRPr sz="2800" b="0" i="0" u="none" strike="noStrike" cap="none">
+                <a:solidFill>
+                  <a:schemeClr val="dk2"/>
+                </a:solidFill>
+                <a:latin typeface="Fira Code"/>
+                <a:ea typeface="Fira Code"/>
+                <a:cs typeface="Fira Code"/>
+                <a:sym typeface="Fira Code"/>
+              </a:defRPr>
+            </a:lvl8pPr>
+            <a:lvl9pPr marL="4114800" marR="0" lvl="8" indent="-317500" algn="ctr" rtl="0">
+              <a:lnSpc>
+                <a:spcPct val="100000"/>
+              </a:lnSpc>
+              <a:spcBef>
+                <a:spcPts val="0"/>
+              </a:spcBef>
+              <a:spcAft>
+                <a:spcPts val="0"/>
+              </a:spcAft>
+              <a:buClr>
+                <a:schemeClr val="dk2"/>
+              </a:buClr>
+              <a:buSzPts val="2800"/>
+              <a:buFont typeface="Fira Code"/>
+              <a:buNone/>
+              <a:defRPr sz="2800" b="0" i="0" u="none" strike="noStrike" cap="none">
+                <a:solidFill>
+                  <a:schemeClr val="dk2"/>
+                </a:solidFill>
+                <a:latin typeface="Fira Code"/>
+                <a:ea typeface="Fira Code"/>
+                <a:cs typeface="Fira Code"/>
+                <a:sym typeface="Fira Code"/>
+              </a:defRPr>
+            </a:lvl9pPr>
+          </a:lstStyle>
+          <a:p>
+            <a:pPr marL="0" indent="0" algn="ctr"/>
+            <a:r>
+              <a:rPr lang="en-US" altLang="ko-KR" sz="1400" dirty="0" err="1">
+                <a:solidFill>
+                  <a:schemeClr val="accent3"/>
+                </a:solidFill>
+              </a:rPr>
+              <a:t>VirusTotal</a:t>
+            </a:r>
+            <a:r>
+              <a:rPr lang="ko-KR" altLang="en-US" sz="1400" dirty="0">
+                <a:solidFill>
+                  <a:schemeClr val="accent3"/>
+                </a:solidFill>
+              </a:rPr>
+              <a:t> </a:t>
+            </a:r>
+            <a:r>
+              <a:rPr lang="en-US" altLang="ko-KR" sz="1400" dirty="0">
+                <a:solidFill>
+                  <a:schemeClr val="accent3"/>
+                </a:solidFill>
+              </a:rPr>
+              <a:t>CLI Application</a:t>
+            </a:r>
+            <a:endParaRPr lang="en-US" sz="1400" dirty="0"/>
+          </a:p>
+        </p:txBody>
+      </p:sp>
+      <p:cxnSp>
+        <p:nvCxnSpPr>
+          <p:cNvPr id="7" name="Google Shape;504;p30">
+            <a:extLst>
+              <a:ext uri="{FF2B5EF4-FFF2-40B4-BE49-F238E27FC236}">
+                <a16:creationId xmlns:a16="http://schemas.microsoft.com/office/drawing/2014/main" id="{866480A9-7CA9-45EB-7B2F-4DABE592E392}"/>
+              </a:ext>
+            </a:extLst>
+          </p:cNvPr>
+          <p:cNvCxnSpPr>
+            <a:cxnSpLocks/>
+          </p:cNvCxnSpPr>
+          <p:nvPr/>
+        </p:nvCxnSpPr>
+        <p:spPr>
+          <a:xfrm>
+            <a:off x="1351725" y="1290217"/>
+            <a:ext cx="0" cy="2185848"/>
+          </a:xfrm>
+          <a:prstGeom prst="straightConnector1">
+            <a:avLst/>
+          </a:prstGeom>
+          <a:noFill/>
+          <a:ln w="9525" cap="flat" cmpd="sng">
+            <a:solidFill>
+              <a:schemeClr val="accent4"/>
+            </a:solidFill>
+            <a:prstDash val="solid"/>
+            <a:round/>
+            <a:headEnd type="none" w="med" len="med"/>
+            <a:tailEnd type="none" w="med" len="med"/>
+          </a:ln>
+        </p:spPr>
+      </p:cxnSp>
+      <p:sp>
+        <p:nvSpPr>
+          <p:cNvPr id="8" name="Google Shape;471;p28">
+            <a:extLst>
+              <a:ext uri="{FF2B5EF4-FFF2-40B4-BE49-F238E27FC236}">
+                <a16:creationId xmlns:a16="http://schemas.microsoft.com/office/drawing/2014/main" id="{068CD397-F0EA-A19C-C6E9-C3D268B36F71}"/>
+              </a:ext>
+            </a:extLst>
+          </p:cNvPr>
+          <p:cNvSpPr txBox="1">
+            <a:spLocks/>
+          </p:cNvSpPr>
+          <p:nvPr/>
+        </p:nvSpPr>
+        <p:spPr>
+          <a:xfrm>
+            <a:off x="1166953" y="3629506"/>
+            <a:ext cx="369544" cy="541200"/>
+          </a:xfrm>
+          <a:prstGeom prst="rect">
+            <a:avLst/>
+          </a:prstGeom>
+          <a:noFill/>
+          <a:ln>
+            <a:noFill/>
+          </a:ln>
+        </p:spPr>
+        <p:txBody>
+          <a:bodyPr spcFirstLastPara="1" wrap="square" lIns="91425" tIns="91425" rIns="91425" bIns="91425" anchor="t" anchorCtr="0">
+            <a:noAutofit/>
+          </a:bodyPr>
+          <a:lstStyle>
+            <a:defPPr marR="0" lvl="0" algn="l" rtl="0">
+              <a:lnSpc>
+                <a:spcPct val="100000"/>
+              </a:lnSpc>
+              <a:spcBef>
+                <a:spcPts val="0"/>
+              </a:spcBef>
+              <a:spcAft>
+                <a:spcPts val="0"/>
+              </a:spcAft>
+            </a:defPPr>
+            <a:lvl1pPr marR="0" lvl="0" algn="l" rtl="0">
+              <a:lnSpc>
+                <a:spcPct val="100000"/>
+              </a:lnSpc>
+              <a:spcBef>
+                <a:spcPts val="0"/>
+              </a:spcBef>
+              <a:spcAft>
+                <a:spcPts val="0"/>
+              </a:spcAft>
+              <a:buClr>
+                <a:schemeClr val="lt1"/>
+              </a:buClr>
+              <a:buSzPts val="2800"/>
+              <a:buFont typeface="Fira Code"/>
+              <a:buNone/>
+              <a:defRPr sz="2800" b="0" i="0" u="none" strike="noStrike" cap="none">
+                <a:solidFill>
+                  <a:schemeClr val="lt1"/>
+                </a:solidFill>
+                <a:latin typeface="Fira Code"/>
+                <a:ea typeface="Fira Code"/>
+                <a:cs typeface="Fira Code"/>
+                <a:sym typeface="Fira Code"/>
+              </a:defRPr>
+            </a:lvl1pPr>
+            <a:lvl2pPr marR="0" lvl="1" algn="l" rtl="0">
+              <a:lnSpc>
+                <a:spcPct val="100000"/>
+              </a:lnSpc>
+              <a:spcBef>
+                <a:spcPts val="0"/>
+              </a:spcBef>
+              <a:spcAft>
+                <a:spcPts val="0"/>
+              </a:spcAft>
+              <a:buClr>
+                <a:schemeClr val="dk1"/>
+              </a:buClr>
+              <a:buSzPts val="2800"/>
+              <a:buFont typeface="Fira Code"/>
+              <a:buNone/>
+              <a:defRPr sz="2800" b="0" i="0" u="none" strike="noStrike" cap="none">
+                <a:solidFill>
+                  <a:schemeClr val="dk1"/>
+                </a:solidFill>
+                <a:latin typeface="Fira Code"/>
+                <a:ea typeface="Fira Code"/>
+                <a:cs typeface="Fira Code"/>
+                <a:sym typeface="Fira Code"/>
+              </a:defRPr>
+            </a:lvl2pPr>
+            <a:lvl3pPr marR="0" lvl="2" algn="l" rtl="0">
+              <a:lnSpc>
+                <a:spcPct val="100000"/>
+              </a:lnSpc>
+              <a:spcBef>
+                <a:spcPts val="0"/>
+              </a:spcBef>
+              <a:spcAft>
+                <a:spcPts val="0"/>
+              </a:spcAft>
+              <a:buClr>
+                <a:schemeClr val="dk1"/>
+              </a:buClr>
+              <a:buSzPts val="2800"/>
+              <a:buFont typeface="Fira Code"/>
+              <a:buNone/>
+              <a:defRPr sz="2800" b="0" i="0" u="none" strike="noStrike" cap="none">
+                <a:solidFill>
+                  <a:schemeClr val="dk1"/>
+                </a:solidFill>
+                <a:latin typeface="Fira Code"/>
+                <a:ea typeface="Fira Code"/>
+                <a:cs typeface="Fira Code"/>
+                <a:sym typeface="Fira Code"/>
+              </a:defRPr>
+            </a:lvl3pPr>
+            <a:lvl4pPr marR="0" lvl="3" algn="l" rtl="0">
+              <a:lnSpc>
+                <a:spcPct val="100000"/>
+              </a:lnSpc>
+              <a:spcBef>
+                <a:spcPts val="0"/>
+              </a:spcBef>
+              <a:spcAft>
+                <a:spcPts val="0"/>
+              </a:spcAft>
+              <a:buClr>
+                <a:schemeClr val="dk1"/>
+              </a:buClr>
+              <a:buSzPts val="2800"/>
+              <a:buFont typeface="Fira Code"/>
+              <a:buNone/>
+              <a:defRPr sz="2800" b="0" i="0" u="none" strike="noStrike" cap="none">
+                <a:solidFill>
+                  <a:schemeClr val="dk1"/>
+                </a:solidFill>
+                <a:latin typeface="Fira Code"/>
+                <a:ea typeface="Fira Code"/>
+                <a:cs typeface="Fira Code"/>
+                <a:sym typeface="Fira Code"/>
+              </a:defRPr>
+            </a:lvl4pPr>
+            <a:lvl5pPr marR="0" lvl="4" algn="l" rtl="0">
+              <a:lnSpc>
+                <a:spcPct val="100000"/>
+              </a:lnSpc>
+              <a:spcBef>
+                <a:spcPts val="0"/>
+              </a:spcBef>
+              <a:spcAft>
+                <a:spcPts val="0"/>
+              </a:spcAft>
+              <a:buClr>
+                <a:schemeClr val="dk1"/>
+              </a:buClr>
+              <a:buSzPts val="2800"/>
+              <a:buFont typeface="Fira Code"/>
+              <a:buNone/>
+              <a:defRPr sz="2800" b="0" i="0" u="none" strike="noStrike" cap="none">
+                <a:solidFill>
+                  <a:schemeClr val="dk1"/>
+                </a:solidFill>
+                <a:latin typeface="Fira Code"/>
+                <a:ea typeface="Fira Code"/>
+                <a:cs typeface="Fira Code"/>
+                <a:sym typeface="Fira Code"/>
+              </a:defRPr>
+            </a:lvl5pPr>
+            <a:lvl6pPr marR="0" lvl="5" algn="l" rtl="0">
+              <a:lnSpc>
+                <a:spcPct val="100000"/>
+              </a:lnSpc>
+              <a:spcBef>
+                <a:spcPts val="0"/>
+              </a:spcBef>
+              <a:spcAft>
+                <a:spcPts val="0"/>
+              </a:spcAft>
+              <a:buClr>
+                <a:schemeClr val="dk1"/>
+              </a:buClr>
+              <a:buSzPts val="2800"/>
+              <a:buFont typeface="Fira Code"/>
+              <a:buNone/>
+              <a:defRPr sz="2800" b="0" i="0" u="none" strike="noStrike" cap="none">
+                <a:solidFill>
+                  <a:schemeClr val="dk1"/>
+                </a:solidFill>
+                <a:latin typeface="Fira Code"/>
+                <a:ea typeface="Fira Code"/>
+                <a:cs typeface="Fira Code"/>
+                <a:sym typeface="Fira Code"/>
+              </a:defRPr>
+            </a:lvl6pPr>
+            <a:lvl7pPr marR="0" lvl="6" algn="l" rtl="0">
+              <a:lnSpc>
+                <a:spcPct val="100000"/>
+              </a:lnSpc>
+              <a:spcBef>
+                <a:spcPts val="0"/>
+              </a:spcBef>
+              <a:spcAft>
+                <a:spcPts val="0"/>
+              </a:spcAft>
+              <a:buClr>
+                <a:schemeClr val="dk1"/>
+              </a:buClr>
+              <a:buSzPts val="2800"/>
+              <a:buFont typeface="Fira Code"/>
+              <a:buNone/>
+              <a:defRPr sz="2800" b="0" i="0" u="none" strike="noStrike" cap="none">
+                <a:solidFill>
+                  <a:schemeClr val="dk1"/>
+                </a:solidFill>
+                <a:latin typeface="Fira Code"/>
+                <a:ea typeface="Fira Code"/>
+                <a:cs typeface="Fira Code"/>
+                <a:sym typeface="Fira Code"/>
+              </a:defRPr>
+            </a:lvl7pPr>
+            <a:lvl8pPr marR="0" lvl="7" algn="l" rtl="0">
+              <a:lnSpc>
+                <a:spcPct val="100000"/>
+              </a:lnSpc>
+              <a:spcBef>
+                <a:spcPts val="0"/>
+              </a:spcBef>
+              <a:spcAft>
+                <a:spcPts val="0"/>
+              </a:spcAft>
+              <a:buClr>
+                <a:schemeClr val="dk1"/>
+              </a:buClr>
+              <a:buSzPts val="2800"/>
+              <a:buFont typeface="Fira Code"/>
+              <a:buNone/>
+              <a:defRPr sz="2800" b="0" i="0" u="none" strike="noStrike" cap="none">
+                <a:solidFill>
+                  <a:schemeClr val="dk1"/>
+                </a:solidFill>
+                <a:latin typeface="Fira Code"/>
+                <a:ea typeface="Fira Code"/>
+                <a:cs typeface="Fira Code"/>
+                <a:sym typeface="Fira Code"/>
+              </a:defRPr>
+            </a:lvl8pPr>
+            <a:lvl9pPr marR="0" lvl="8" algn="l" rtl="0">
+              <a:lnSpc>
+                <a:spcPct val="100000"/>
+              </a:lnSpc>
+              <a:spcBef>
+                <a:spcPts val="0"/>
+              </a:spcBef>
+              <a:spcAft>
+                <a:spcPts val="0"/>
+              </a:spcAft>
+              <a:buClr>
+                <a:schemeClr val="dk1"/>
+              </a:buClr>
+              <a:buSzPts val="2800"/>
+              <a:buFont typeface="Fira Code"/>
+              <a:buNone/>
+              <a:defRPr sz="2800" b="0" i="0" u="none" strike="noStrike" cap="none">
+                <a:solidFill>
+                  <a:schemeClr val="dk1"/>
+                </a:solidFill>
+                <a:latin typeface="Fira Code"/>
+                <a:ea typeface="Fira Code"/>
+                <a:cs typeface="Fira Code"/>
+                <a:sym typeface="Fira Code"/>
+              </a:defRPr>
+            </a:lvl9pPr>
+          </a:lstStyle>
+          <a:p>
+            <a:r>
+              <a:rPr lang="en-US" dirty="0">
+                <a:solidFill>
+                  <a:schemeClr val="accent3"/>
+                </a:solidFill>
+              </a:rPr>
+              <a:t>}</a:t>
+            </a:r>
+          </a:p>
+        </p:txBody>
+      </p:sp>
+    </p:spTree>
+    <p:extLst>
+      <p:ext uri="{BB962C8B-B14F-4D97-AF65-F5344CB8AC3E}">
+        <p14:creationId xmlns:p14="http://schemas.microsoft.com/office/powerpoint/2010/main" val="420716016"/>
+      </p:ext>
+    </p:extLst>
+  </p:cSld>
+  <p:clrMapOvr>
+    <a:masterClrMapping/>
+  </p:clrMapOvr>
+</p:sld>
+</file>
+
 <file path=ppt/theme/theme1.xml><?xml version="1.0" encoding="utf-8"?>
 <a:theme xmlns:a="http://schemas.openxmlformats.org/drawingml/2006/main" name="Programming Language Workshop for Beginners by Slidesgo">
   <a:themeElements>

--- a/document/design_01.pptx
+++ b/document/design_01.pptx
@@ -13658,11 +13658,7 @@
             </a:r>
             <a:r>
               <a:rPr lang="en-US" sz="2000" dirty="0"/>
-              <a:t> CLI </a:t>
-            </a:r>
-            <a:r>
-              <a:rPr lang="en-US" sz="2000" dirty="0" err="1"/>
-              <a:t>Applicationi</a:t>
+              <a:t> CLI Application</a:t>
             </a:r>
             <a:r>
               <a:rPr lang="en-US" sz="2000" dirty="0">
